--- a/論文/論文寫作.pptx
+++ b/論文/論文寫作.pptx
@@ -17,6 +17,8 @@
     <p:sldId id="264" r:id="rId11"/>
     <p:sldId id="267" r:id="rId12"/>
     <p:sldId id="260" r:id="rId13"/>
+    <p:sldId id="268" r:id="rId14"/>
+    <p:sldId id="269" r:id="rId15"/>
   </p:sldIdLst>
   <p:sldSz cx="12192000" cy="6858000"/>
   <p:notesSz cx="6858000" cy="9144000"/>
@@ -132,9 +134,14 @@
             <p14:sldId id="264"/>
             <p14:sldId id="267"/>
             <p14:sldId id="260"/>
+            <p14:sldId id="268"/>
+            <p14:sldId id="269"/>
           </p14:sldIdLst>
         </p14:section>
       </p14:sectionLst>
+    </p:ext>
+    <p:ext uri="{EFAFB233-063F-42B5-8137-9DF3F51BA10A}">
+      <p15:sldGuideLst xmlns:p15="http://schemas.microsoft.com/office/powerpoint/2012/main"/>
     </p:ext>
   </p:extLst>
 </p:presentation>
@@ -271,7 +278,7 @@
           <a:p>
             <a:fld id="{F14C5AB3-B18A-4B7C-BCF7-959E37ECDBB2}" type="datetimeFigureOut">
               <a:rPr lang="zh-TW" altLang="en-US" smtClean="0"/>
-              <a:t>2021/10/26</a:t>
+              <a:t>2021/10/28</a:t>
             </a:fld>
             <a:endParaRPr lang="zh-TW" altLang="en-US"/>
           </a:p>
@@ -441,7 +448,7 @@
           <a:p>
             <a:fld id="{F14C5AB3-B18A-4B7C-BCF7-959E37ECDBB2}" type="datetimeFigureOut">
               <a:rPr lang="zh-TW" altLang="en-US" smtClean="0"/>
-              <a:t>2021/10/27</a:t>
+              <a:t>2021/10/28</a:t>
             </a:fld>
             <a:endParaRPr lang="zh-TW" altLang="en-US"/>
           </a:p>
@@ -621,7 +628,7 @@
           <a:p>
             <a:fld id="{F14C5AB3-B18A-4B7C-BCF7-959E37ECDBB2}" type="datetimeFigureOut">
               <a:rPr lang="zh-TW" altLang="en-US" smtClean="0"/>
-              <a:t>2021/10/27</a:t>
+              <a:t>2021/10/28</a:t>
             </a:fld>
             <a:endParaRPr lang="zh-TW" altLang="en-US"/>
           </a:p>
@@ -791,7 +798,7 @@
           <a:p>
             <a:fld id="{F14C5AB3-B18A-4B7C-BCF7-959E37ECDBB2}" type="datetimeFigureOut">
               <a:rPr lang="zh-TW" altLang="en-US" smtClean="0"/>
-              <a:t>2021/10/26</a:t>
+              <a:t>2021/10/28</a:t>
             </a:fld>
             <a:endParaRPr lang="zh-TW" altLang="en-US"/>
           </a:p>
@@ -1037,7 +1044,7 @@
           <a:p>
             <a:fld id="{F14C5AB3-B18A-4B7C-BCF7-959E37ECDBB2}" type="datetimeFigureOut">
               <a:rPr lang="zh-TW" altLang="en-US" smtClean="0"/>
-              <a:t>2021/10/27</a:t>
+              <a:t>2021/10/28</a:t>
             </a:fld>
             <a:endParaRPr lang="zh-TW" altLang="en-US"/>
           </a:p>
@@ -1269,7 +1276,7 @@
           <a:p>
             <a:fld id="{F14C5AB3-B18A-4B7C-BCF7-959E37ECDBB2}" type="datetimeFigureOut">
               <a:rPr lang="zh-TW" altLang="en-US" smtClean="0"/>
-              <a:t>2021/10/27</a:t>
+              <a:t>2021/10/28</a:t>
             </a:fld>
             <a:endParaRPr lang="zh-TW" altLang="en-US"/>
           </a:p>
@@ -1636,7 +1643,7 @@
           <a:p>
             <a:fld id="{F14C5AB3-B18A-4B7C-BCF7-959E37ECDBB2}" type="datetimeFigureOut">
               <a:rPr lang="zh-TW" altLang="en-US" smtClean="0"/>
-              <a:t>2021/10/27</a:t>
+              <a:t>2021/10/28</a:t>
             </a:fld>
             <a:endParaRPr lang="zh-TW" altLang="en-US"/>
           </a:p>
@@ -1754,7 +1761,7 @@
           <a:p>
             <a:fld id="{F14C5AB3-B18A-4B7C-BCF7-959E37ECDBB2}" type="datetimeFigureOut">
               <a:rPr lang="zh-TW" altLang="en-US" smtClean="0"/>
-              <a:t>2021/10/27</a:t>
+              <a:t>2021/10/28</a:t>
             </a:fld>
             <a:endParaRPr lang="zh-TW" altLang="en-US"/>
           </a:p>
@@ -1849,7 +1856,7 @@
           <a:p>
             <a:fld id="{F14C5AB3-B18A-4B7C-BCF7-959E37ECDBB2}" type="datetimeFigureOut">
               <a:rPr lang="zh-TW" altLang="en-US" smtClean="0"/>
-              <a:t>2021/10/27</a:t>
+              <a:t>2021/10/28</a:t>
             </a:fld>
             <a:endParaRPr lang="zh-TW" altLang="en-US"/>
           </a:p>
@@ -2126,7 +2133,7 @@
           <a:p>
             <a:fld id="{F14C5AB3-B18A-4B7C-BCF7-959E37ECDBB2}" type="datetimeFigureOut">
               <a:rPr lang="zh-TW" altLang="en-US" smtClean="0"/>
-              <a:t>2021/10/27</a:t>
+              <a:t>2021/10/28</a:t>
             </a:fld>
             <a:endParaRPr lang="zh-TW" altLang="en-US"/>
           </a:p>
@@ -2379,7 +2386,7 @@
           <a:p>
             <a:fld id="{F14C5AB3-B18A-4B7C-BCF7-959E37ECDBB2}" type="datetimeFigureOut">
               <a:rPr lang="zh-TW" altLang="en-US" smtClean="0"/>
-              <a:t>2021/10/27</a:t>
+              <a:t>2021/10/28</a:t>
             </a:fld>
             <a:endParaRPr lang="zh-TW" altLang="en-US"/>
           </a:p>
@@ -2592,7 +2599,7 @@
           <a:p>
             <a:fld id="{F14C5AB3-B18A-4B7C-BCF7-959E37ECDBB2}" type="datetimeFigureOut">
               <a:rPr lang="zh-TW" altLang="en-US" smtClean="0"/>
-              <a:t>2021/10/26</a:t>
+              <a:t>2021/10/28</a:t>
             </a:fld>
             <a:endParaRPr lang="zh-TW" altLang="en-US"/>
           </a:p>
@@ -3283,7 +3290,15 @@
             </a:r>
             <a:r>
               <a:rPr lang="zh-TW" altLang="en-US" dirty="0" smtClean="0"/>
-              <a:t>研究結果</a:t>
+              <a:t>研究</a:t>
+            </a:r>
+            <a:r>
+              <a:rPr lang="zh-TW" altLang="en-US" dirty="0" smtClean="0"/>
+              <a:t>結果</a:t>
+            </a:r>
+            <a:r>
+              <a:rPr lang="en-US" altLang="zh-TW" dirty="0" smtClean="0"/>
+              <a:t>top-1</a:t>
             </a:r>
             <a:endParaRPr lang="en-US" altLang="zh-TW" dirty="0"/>
           </a:p>
@@ -3298,8 +3313,13 @@
             </a:r>
             <a:r>
               <a:rPr lang="en-US" altLang="zh-TW" dirty="0" smtClean="0"/>
-              <a:t>:32.4%</a:t>
-            </a:r>
+              <a:t>:</a:t>
+            </a:r>
+            <a:r>
+              <a:rPr lang="en-US" altLang="zh-TW" dirty="0" smtClean="0"/>
+              <a:t>32.4%</a:t>
+            </a:r>
+            <a:endParaRPr lang="en-US" altLang="zh-TW" dirty="0" smtClean="0"/>
           </a:p>
           <a:p>
             <a:r>
@@ -3404,6 +3424,10 @@
           <a:bodyPr/>
           <a:lstStyle/>
           <a:p>
+            <a:r>
+              <a:rPr lang="zh-TW" altLang="en-US" dirty="0" smtClean="0"/>
+              <a:t>論文二</a:t>
+            </a:r>
             <a:endParaRPr lang="zh-TW" altLang="en-US" dirty="0"/>
           </a:p>
         </p:txBody>
@@ -3420,9 +3444,175 @@
         </p:nvSpPr>
         <p:spPr/>
         <p:txBody>
-          <a:bodyPr/>
-          <a:lstStyle/>
-          <a:p>
+          <a:bodyPr>
+            <a:normAutofit/>
+          </a:bodyPr>
+          <a:lstStyle/>
+          <a:p>
+            <a:pPr marL="0" indent="0">
+              <a:buNone/>
+            </a:pPr>
+            <a:r>
+              <a:rPr lang="zh-TW" altLang="en-US" dirty="0" smtClean="0"/>
+              <a:t>文獻二</a:t>
+            </a:r>
+            <a:r>
+              <a:rPr lang="en-US" altLang="zh-TW" dirty="0" smtClean="0"/>
+              <a:t>:</a:t>
+            </a:r>
+            <a:r>
+              <a:rPr lang="en-US" altLang="zh-TW" b="1" dirty="0"/>
+              <a:t>Multi-Scale Weighted Fusion Attentive Generative Adversarial Network for Single Image De-Raining</a:t>
+            </a:r>
+          </a:p>
+          <a:p>
+            <a:pPr marL="0" indent="0">
+              <a:buNone/>
+            </a:pPr>
+            <a:r>
+              <a:rPr lang="en-US" altLang="zh-TW" dirty="0" smtClean="0"/>
+              <a:t>(</a:t>
+            </a:r>
+            <a:r>
+              <a:rPr lang="zh-TW" altLang="en-US" b="1" dirty="0" smtClean="0"/>
+              <a:t>以</a:t>
+            </a:r>
+            <a:r>
+              <a:rPr lang="zh-TW" altLang="en-US" dirty="0" smtClean="0"/>
+              <a:t>多</a:t>
+            </a:r>
+            <a:r>
+              <a:rPr lang="zh-TW" altLang="en-US" dirty="0"/>
+              <a:t>尺度加權融合空間注意力生成對抗網絡</a:t>
+            </a:r>
+            <a:r>
+              <a:rPr lang="zh-TW" altLang="en-US" b="1" dirty="0" smtClean="0"/>
+              <a:t>的圖像除雨之研究</a:t>
+            </a:r>
+            <a:r>
+              <a:rPr lang="en-US" altLang="zh-TW" dirty="0" smtClean="0"/>
+              <a:t>)</a:t>
+            </a:r>
+          </a:p>
+          <a:p>
+            <a:pPr marL="0" indent="0">
+              <a:buNone/>
+            </a:pPr>
+            <a:endParaRPr lang="en-US" altLang="zh-TW" dirty="0"/>
+          </a:p>
+          <a:p>
+            <a:pPr marL="0" indent="0">
+              <a:buNone/>
+            </a:pPr>
+            <a:endParaRPr lang="en-US" altLang="zh-TW" dirty="0" smtClean="0"/>
+          </a:p>
+          <a:p>
+            <a:pPr marL="0" indent="0">
+              <a:buNone/>
+            </a:pPr>
+            <a:r>
+              <a:rPr lang="zh-TW" altLang="en-US" dirty="0" smtClean="0"/>
+              <a:t>作者</a:t>
+            </a:r>
+            <a:r>
+              <a:rPr lang="en-US" altLang="zh-TW" dirty="0" smtClean="0"/>
+              <a:t>:</a:t>
+            </a:r>
+            <a:r>
+              <a:rPr lang="en-US" altLang="zh-TW" dirty="0">
+                <a:hlinkClick r:id="rId2"/>
+              </a:rPr>
+              <a:t> </a:t>
+            </a:r>
+            <a:r>
+              <a:rPr lang="en-US" altLang="zh-TW" dirty="0" err="1" smtClean="0">
+                <a:hlinkClick r:id="rId2"/>
+              </a:rPr>
+              <a:t>Xiaojun</a:t>
+            </a:r>
+            <a:r>
+              <a:rPr lang="en-US" altLang="zh-TW" dirty="0" smtClean="0">
+                <a:hlinkClick r:id="rId2"/>
+              </a:rPr>
+              <a:t> Bi</a:t>
+            </a:r>
+            <a:r>
+              <a:rPr lang="zh-TW" altLang="en-US" dirty="0" smtClean="0"/>
+              <a:t>、</a:t>
+            </a:r>
+            <a:r>
+              <a:rPr lang="en-US" altLang="zh-TW" dirty="0">
+                <a:hlinkClick r:id="rId3"/>
+              </a:rPr>
+              <a:t> </a:t>
+            </a:r>
+            <a:r>
+              <a:rPr lang="en-US" altLang="zh-TW" dirty="0" err="1">
+                <a:hlinkClick r:id="rId3"/>
+              </a:rPr>
+              <a:t>Junyao</a:t>
+            </a:r>
+            <a:r>
+              <a:rPr lang="en-US" altLang="zh-TW" dirty="0">
+                <a:hlinkClick r:id="rId3"/>
+              </a:rPr>
+              <a:t> </a:t>
+            </a:r>
+            <a:r>
+              <a:rPr lang="en-US" altLang="zh-TW" dirty="0" smtClean="0">
+                <a:hlinkClick r:id="rId3"/>
+              </a:rPr>
+              <a:t>Xing</a:t>
+            </a:r>
+            <a:r>
+              <a:rPr lang="en-US" altLang="zh-TW" dirty="0" smtClean="0"/>
+              <a:t>(2020)</a:t>
+            </a:r>
+          </a:p>
+          <a:p>
+            <a:pPr marL="0" indent="0">
+              <a:buNone/>
+            </a:pPr>
+            <a:r>
+              <a:rPr lang="zh-TW" altLang="en-US" dirty="0" smtClean="0"/>
+              <a:t>出處</a:t>
+            </a:r>
+            <a:r>
+              <a:rPr lang="en-US" altLang="zh-TW" dirty="0" smtClean="0"/>
+              <a:t>:IEEE</a:t>
+            </a:r>
+          </a:p>
+          <a:p>
+            <a:pPr marL="0" indent="0">
+              <a:buNone/>
+            </a:pPr>
+            <a:r>
+              <a:rPr lang="zh-TW" altLang="en-US" dirty="0"/>
+              <a:t>頁數</a:t>
+            </a:r>
+            <a:r>
+              <a:rPr lang="en-US" altLang="zh-TW" dirty="0" smtClean="0"/>
+              <a:t>:</a:t>
+            </a:r>
+            <a:r>
+              <a:rPr lang="zh-TW" altLang="en-US" dirty="0"/>
+              <a:t> </a:t>
+            </a:r>
+            <a:r>
+              <a:rPr lang="en-US" altLang="zh-TW" dirty="0"/>
+              <a:t>69838 - 69848</a:t>
+            </a:r>
+          </a:p>
+          <a:p>
+            <a:pPr marL="0" indent="0">
+              <a:buNone/>
+            </a:pPr>
+            <a:endParaRPr lang="en-US" altLang="zh-TW" dirty="0" smtClean="0"/>
+          </a:p>
+          <a:p>
+            <a:pPr marL="0" indent="0">
+              <a:buNone/>
+            </a:pPr>
             <a:endParaRPr lang="zh-TW" altLang="en-US" dirty="0"/>
           </a:p>
         </p:txBody>
@@ -3431,6 +3621,512 @@
     <p:extLst>
       <p:ext uri="{BB962C8B-B14F-4D97-AF65-F5344CB8AC3E}">
         <p14:creationId xmlns:p14="http://schemas.microsoft.com/office/powerpoint/2010/main" val="1337205795"/>
+      </p:ext>
+    </p:extLst>
+  </p:cSld>
+  <p:clrMapOvr>
+    <a:masterClrMapping/>
+  </p:clrMapOvr>
+</p:sld>
+</file>
+
+<file path=ppt/slides/slide13.xml><?xml version="1.0" encoding="utf-8"?>
+<p:sld xmlns:a="http://schemas.openxmlformats.org/drawingml/2006/main" xmlns:r="http://schemas.openxmlformats.org/officeDocument/2006/relationships" xmlns:p="http://schemas.openxmlformats.org/presentationml/2006/main">
+  <p:cSld>
+    <p:spTree>
+      <p:nvGrpSpPr>
+        <p:cNvPr id="1" name=""/>
+        <p:cNvGrpSpPr/>
+        <p:nvPr/>
+      </p:nvGrpSpPr>
+      <p:grpSpPr>
+        <a:xfrm>
+          <a:off x="0" y="0"/>
+          <a:ext cx="0" cy="0"/>
+          <a:chOff x="0" y="0"/>
+          <a:chExt cx="0" cy="0"/>
+        </a:xfrm>
+      </p:grpSpPr>
+      <p:sp>
+        <p:nvSpPr>
+          <p:cNvPr id="2" name="標題 1"/>
+          <p:cNvSpPr>
+            <a:spLocks noGrp="1"/>
+          </p:cNvSpPr>
+          <p:nvPr>
+            <p:ph type="title"/>
+          </p:nvPr>
+        </p:nvSpPr>
+        <p:spPr/>
+        <p:txBody>
+          <a:bodyPr/>
+          <a:lstStyle/>
+          <a:p>
+            <a:r>
+              <a:rPr lang="zh-TW" altLang="en-US" dirty="0" smtClean="0"/>
+              <a:t>研究問題</a:t>
+            </a:r>
+            <a:endParaRPr lang="zh-TW" altLang="en-US" dirty="0"/>
+          </a:p>
+        </p:txBody>
+      </p:sp>
+      <p:sp>
+        <p:nvSpPr>
+          <p:cNvPr id="3" name="內容版面配置區 2"/>
+          <p:cNvSpPr>
+            <a:spLocks noGrp="1"/>
+          </p:cNvSpPr>
+          <p:nvPr>
+            <p:ph idx="1"/>
+          </p:nvPr>
+        </p:nvSpPr>
+        <p:spPr/>
+        <p:txBody>
+          <a:bodyPr/>
+          <a:lstStyle/>
+          <a:p>
+            <a:r>
+              <a:rPr lang="en-US" altLang="zh-TW" dirty="0" smtClean="0"/>
+              <a:t>1.</a:t>
+            </a:r>
+            <a:r>
+              <a:rPr lang="zh-TW" altLang="en-US" dirty="0" smtClean="0"/>
+              <a:t>除雨的工作在深度學習的技術上早已達到，但在使用深度學習除雨通常只能去除單種尺寸的雨痕照片，但</a:t>
+            </a:r>
+            <a:r>
+              <a:rPr lang="zh-TW" altLang="en-US" dirty="0"/>
+              <a:t>帕特</a:t>
+            </a:r>
+            <a:r>
+              <a:rPr lang="zh-TW" altLang="en-US" dirty="0" smtClean="0"/>
+              <a:t>爾利用</a:t>
+            </a:r>
+            <a:r>
+              <a:rPr lang="en-US" altLang="zh-TW" dirty="0" smtClean="0"/>
+              <a:t>12000</a:t>
+            </a:r>
+            <a:r>
+              <a:rPr lang="zh-TW" altLang="en-US" dirty="0" smtClean="0"/>
+              <a:t>張不同雨痕大小的圖片來訓練除雨的模型，大小包含</a:t>
+            </a:r>
+            <a:r>
+              <a:rPr lang="en-US" altLang="zh-TW" dirty="0" smtClean="0"/>
+              <a:t>(</a:t>
+            </a:r>
+            <a:r>
+              <a:rPr lang="zh-TW" altLang="en-US" dirty="0" smtClean="0"/>
+              <a:t>重、中、輕</a:t>
+            </a:r>
+            <a:r>
+              <a:rPr lang="en-US" altLang="zh-TW" dirty="0" smtClean="0"/>
+              <a:t>)</a:t>
+            </a:r>
+            <a:r>
+              <a:rPr lang="zh-TW" altLang="en-US" dirty="0" smtClean="0"/>
+              <a:t>，但在現實生活中，雨痕的大小不可能只有三種，因此此研究提出 了</a:t>
+            </a:r>
+            <a:r>
+              <a:rPr lang="zh-TW" altLang="en-US" dirty="0"/>
+              <a:t>一種稱為 </a:t>
+            </a:r>
+            <a:r>
+              <a:rPr lang="en-US" altLang="zh-TW" dirty="0"/>
+              <a:t>MWA-</a:t>
+            </a:r>
+            <a:r>
+              <a:rPr lang="en-US" altLang="zh-TW" dirty="0" err="1"/>
+              <a:t>GANet</a:t>
+            </a:r>
+            <a:r>
+              <a:rPr lang="en-US" altLang="zh-TW" dirty="0"/>
+              <a:t> </a:t>
+            </a:r>
+            <a:r>
+              <a:rPr lang="zh-TW" altLang="en-US" dirty="0"/>
+              <a:t>的多尺度加權融合注意力生成對抗網</a:t>
+            </a:r>
+            <a:r>
+              <a:rPr lang="zh-TW" altLang="en-US" dirty="0" smtClean="0"/>
+              <a:t>絡，多尺度加權可以生成不一樣尺寸雨痕的圖片。</a:t>
+            </a:r>
+            <a:endParaRPr lang="en-US" altLang="zh-TW" dirty="0" smtClean="0"/>
+          </a:p>
+          <a:p>
+            <a:r>
+              <a:rPr lang="zh-TW" altLang="en-US" dirty="0" smtClean="0"/>
+              <a:t>再早期深度學習除雨的工作有時可能導致過度除雨或是沒除乾淨的情況發生，使圖片除完雨使圖片產生飽和度跟對比度的變化，而利用</a:t>
+            </a:r>
+            <a:r>
+              <a:rPr lang="en-US" altLang="zh-TW" dirty="0"/>
+              <a:t>GAN</a:t>
+            </a:r>
+            <a:r>
+              <a:rPr lang="zh-TW" altLang="en-US" dirty="0"/>
+              <a:t>做除雨的工作，他可以保留細節生成出更逼真的圖片</a:t>
+            </a:r>
+            <a:endParaRPr lang="en-US" altLang="zh-TW" dirty="0"/>
+          </a:p>
+          <a:p>
+            <a:endParaRPr lang="en-US" altLang="zh-TW" dirty="0" smtClean="0"/>
+          </a:p>
+        </p:txBody>
+      </p:sp>
+    </p:spTree>
+    <p:extLst>
+      <p:ext uri="{BB962C8B-B14F-4D97-AF65-F5344CB8AC3E}">
+        <p14:creationId xmlns:p14="http://schemas.microsoft.com/office/powerpoint/2010/main" val="1751938517"/>
+      </p:ext>
+    </p:extLst>
+  </p:cSld>
+  <p:clrMapOvr>
+    <a:masterClrMapping/>
+  </p:clrMapOvr>
+</p:sld>
+</file>
+
+<file path=ppt/slides/slide14.xml><?xml version="1.0" encoding="utf-8"?>
+<p:sld xmlns:a="http://schemas.openxmlformats.org/drawingml/2006/main" xmlns:r="http://schemas.openxmlformats.org/officeDocument/2006/relationships" xmlns:p="http://schemas.openxmlformats.org/presentationml/2006/main">
+  <p:cSld>
+    <p:spTree>
+      <p:nvGrpSpPr>
+        <p:cNvPr id="1" name=""/>
+        <p:cNvGrpSpPr/>
+        <p:nvPr/>
+      </p:nvGrpSpPr>
+      <p:grpSpPr>
+        <a:xfrm>
+          <a:off x="0" y="0"/>
+          <a:ext cx="0" cy="0"/>
+          <a:chOff x="0" y="0"/>
+          <a:chExt cx="0" cy="0"/>
+        </a:xfrm>
+      </p:grpSpPr>
+      <p:sp>
+        <p:nvSpPr>
+          <p:cNvPr id="2" name="標題 1"/>
+          <p:cNvSpPr>
+            <a:spLocks noGrp="1"/>
+          </p:cNvSpPr>
+          <p:nvPr>
+            <p:ph type="title"/>
+          </p:nvPr>
+        </p:nvSpPr>
+        <p:spPr/>
+        <p:txBody>
+          <a:bodyPr/>
+          <a:lstStyle/>
+          <a:p>
+            <a:r>
+              <a:rPr lang="zh-TW" altLang="en-US" dirty="0" smtClean="0"/>
+              <a:t>論文三</a:t>
+            </a:r>
+            <a:endParaRPr lang="zh-TW" altLang="en-US" dirty="0"/>
+          </a:p>
+        </p:txBody>
+      </p:sp>
+      <p:sp>
+        <p:nvSpPr>
+          <p:cNvPr id="3" name="內容版面配置區 2"/>
+          <p:cNvSpPr>
+            <a:spLocks noGrp="1"/>
+          </p:cNvSpPr>
+          <p:nvPr>
+            <p:ph idx="1"/>
+          </p:nvPr>
+        </p:nvSpPr>
+        <p:spPr/>
+        <p:txBody>
+          <a:bodyPr>
+            <a:normAutofit fontScale="92500" lnSpcReduction="10000"/>
+          </a:bodyPr>
+          <a:lstStyle/>
+          <a:p>
+            <a:r>
+              <a:rPr lang="zh-TW" altLang="en-US" dirty="0" smtClean="0"/>
+              <a:t>研究問題</a:t>
+            </a:r>
+            <a:r>
+              <a:rPr lang="en-US" altLang="zh-TW" dirty="0" smtClean="0"/>
+              <a:t>:</a:t>
+            </a:r>
+          </a:p>
+          <a:p>
+            <a:pPr marL="0" indent="0">
+              <a:buNone/>
+            </a:pPr>
+            <a:r>
+              <a:rPr lang="zh-TW" altLang="en-US" sz="2000" dirty="0"/>
+              <a:t>早期深度</a:t>
+            </a:r>
+            <a:r>
+              <a:rPr lang="zh-TW" altLang="en-US" sz="2000" dirty="0" smtClean="0"/>
+              <a:t>學習可以除霧，利用</a:t>
+            </a:r>
+            <a:r>
+              <a:rPr lang="en-US" altLang="zh-TW" sz="2000" dirty="0" smtClean="0"/>
+              <a:t>DRL</a:t>
+            </a:r>
+            <a:r>
+              <a:rPr lang="zh-TW" altLang="en-US" sz="2000" dirty="0" smtClean="0"/>
+              <a:t>將模糊圖片轉乘無霧圖片，</a:t>
+            </a:r>
+            <a:r>
+              <a:rPr lang="en-US" altLang="zh-TW" sz="2000" dirty="0" smtClean="0"/>
+              <a:t>DRL</a:t>
+            </a:r>
+            <a:r>
+              <a:rPr lang="zh-TW" altLang="en-US" sz="2000" dirty="0" smtClean="0"/>
+              <a:t>使用</a:t>
+            </a:r>
+            <a:r>
+              <a:rPr lang="en-US" altLang="zh-TW" sz="2000" dirty="0" smtClean="0"/>
+              <a:t>13</a:t>
+            </a:r>
+            <a:r>
+              <a:rPr lang="zh-TW" altLang="en-US" sz="2000" dirty="0"/>
+              <a:t>層</a:t>
+            </a:r>
+            <a:r>
+              <a:rPr lang="en-US" altLang="zh-TW" sz="2000" dirty="0" err="1" smtClean="0"/>
+              <a:t>ResNet</a:t>
+            </a:r>
+            <a:r>
+              <a:rPr lang="zh-TW" altLang="en-US" sz="2000" dirty="0" smtClean="0"/>
+              <a:t>來學習。</a:t>
+            </a:r>
+            <a:endParaRPr lang="en-US" altLang="zh-TW" sz="2000" dirty="0" smtClean="0"/>
+          </a:p>
+          <a:p>
+            <a:pPr marL="0" indent="0">
+              <a:buNone/>
+            </a:pPr>
+            <a:r>
+              <a:rPr lang="zh-TW" altLang="en-US" sz="2000" dirty="0"/>
+              <a:t>隨著</a:t>
+            </a:r>
+            <a:r>
+              <a:rPr lang="en-US" altLang="zh-TW" sz="2000" dirty="0" smtClean="0"/>
+              <a:t>GAN</a:t>
+            </a:r>
+            <a:r>
+              <a:rPr lang="zh-TW" altLang="en-US" sz="2000" dirty="0" smtClean="0"/>
+              <a:t>風格轉換的發展，我們可以把除霧的工作想像成把一個有霧風格的圖片轉換成一個無霧風格的圖片</a:t>
+            </a:r>
+            <a:endParaRPr lang="en-US" altLang="zh-TW" sz="2000" dirty="0" smtClean="0"/>
+          </a:p>
+          <a:p>
+            <a:pPr marL="0" indent="0">
+              <a:buNone/>
+            </a:pPr>
+            <a:r>
+              <a:rPr lang="zh-TW" altLang="en-US" sz="2000" dirty="0" smtClean="0"/>
+              <a:t>但除霧效果是不能用</a:t>
+            </a:r>
+            <a:r>
+              <a:rPr lang="zh-TW" altLang="en-US" sz="2000" dirty="0"/>
+              <a:t>風格</a:t>
+            </a:r>
+            <a:r>
+              <a:rPr lang="zh-TW" altLang="en-US" sz="2000" dirty="0" smtClean="0"/>
+              <a:t>轉換直接去訓練的，因為每張圖片霧的濃度會隨著照片內容的遠近而有所不同，可能我拍近的地方這邊霧比較少，遠的霧會更濃，導致霧的濃度在圖片分布不均</a:t>
+            </a:r>
+            <a:endParaRPr lang="en-US" altLang="zh-TW" sz="2000" dirty="0" smtClean="0"/>
+          </a:p>
+          <a:p>
+            <a:pPr marL="0" indent="0">
+              <a:buNone/>
+            </a:pPr>
+            <a:r>
+              <a:rPr lang="zh-TW" altLang="en-US" sz="2000" dirty="0" smtClean="0"/>
+              <a:t>因此此研究在網路中加入引導濾波器，</a:t>
+            </a:r>
+            <a:r>
+              <a:rPr lang="zh-TW" altLang="en-US" sz="2000" dirty="0"/>
+              <a:t>並使用引導濾波器層構造殘差通道</a:t>
+            </a:r>
+            <a:r>
+              <a:rPr lang="zh-TW" altLang="en-US" sz="2000" dirty="0" smtClean="0"/>
+              <a:t>濾波器，</a:t>
+            </a:r>
+            <a:r>
+              <a:rPr lang="zh-TW" altLang="en-US" sz="2000" dirty="0"/>
+              <a:t>以最大限度地保留模糊圖像的邊緣和細節。這樣，</a:t>
+            </a:r>
+            <a:r>
+              <a:rPr lang="zh-TW" altLang="en-US" sz="2000" dirty="0" smtClean="0"/>
+              <a:t>過濾器能夠抑制</a:t>
+            </a:r>
+            <a:r>
+              <a:rPr lang="zh-TW" altLang="en-US" sz="2000" dirty="0"/>
+              <a:t>去霧過程產生</a:t>
+            </a:r>
+            <a:r>
+              <a:rPr lang="zh-TW" altLang="en-US" sz="2000" dirty="0" smtClean="0"/>
+              <a:t>的</a:t>
+            </a:r>
+            <a:r>
+              <a:rPr lang="zh-TW" altLang="en-US" sz="2000" dirty="0"/>
+              <a:t>圖片模糊</a:t>
+            </a:r>
+            <a:r>
+              <a:rPr lang="zh-TW" altLang="en-US" sz="2000" dirty="0" smtClean="0"/>
+              <a:t>的</a:t>
+            </a:r>
+            <a:r>
+              <a:rPr lang="zh-TW" altLang="en-US" sz="2000" dirty="0"/>
+              <a:t>副作用</a:t>
+            </a:r>
+            <a:r>
+              <a:rPr lang="zh-TW" altLang="en-US" sz="2000" dirty="0" smtClean="0"/>
+              <a:t>。</a:t>
+            </a:r>
+            <a:endParaRPr lang="en-US" altLang="zh-TW" sz="2000" dirty="0" smtClean="0"/>
+          </a:p>
+          <a:p>
+            <a:pPr marL="0" indent="0">
+              <a:buNone/>
+            </a:pPr>
+            <a:endParaRPr lang="en-US" altLang="zh-TW" sz="2000" dirty="0"/>
+          </a:p>
+          <a:p>
+            <a:pPr marL="0" indent="0">
+              <a:buNone/>
+            </a:pPr>
+            <a:r>
+              <a:rPr lang="zh-TW" altLang="en-US" sz="2000" dirty="0" smtClean="0"/>
+              <a:t>在</a:t>
+            </a:r>
+            <a:r>
+              <a:rPr lang="zh-TW" altLang="en-US" sz="2000" dirty="0"/>
+              <a:t>此研究</a:t>
+            </a:r>
+            <a:r>
+              <a:rPr lang="zh-TW" altLang="en-US" sz="2000" dirty="0" smtClean="0"/>
+              <a:t>中</a:t>
+            </a:r>
+            <a:r>
+              <a:rPr lang="zh-TW" altLang="en-US" sz="2000" dirty="0"/>
+              <a:t>，我們提出了一種結合殘差引導過濾層的 </a:t>
+            </a:r>
+            <a:r>
+              <a:rPr lang="en-US" altLang="zh-TW" sz="2000" dirty="0"/>
+              <a:t>pix2pix </a:t>
+            </a:r>
+            <a:r>
+              <a:rPr lang="zh-TW" altLang="en-US" sz="2000" dirty="0"/>
+              <a:t>去霧網絡。該網絡包括生成器、鑑別器和殘差通道引導濾波器三部分。我們</a:t>
+            </a:r>
+            <a:r>
+              <a:rPr lang="zh-TW" altLang="en-US" sz="2000" dirty="0" smtClean="0"/>
+              <a:t>通過</a:t>
+            </a:r>
+            <a:r>
+              <a:rPr lang="zh-TW" altLang="en-US" sz="2000" dirty="0"/>
+              <a:t>增加</a:t>
+            </a:r>
+            <a:r>
+              <a:rPr lang="zh-TW" altLang="en-US" sz="2000" dirty="0" smtClean="0"/>
+              <a:t>感知</a:t>
+            </a:r>
+            <a:r>
+              <a:rPr lang="zh-TW" altLang="en-US" sz="2000" dirty="0"/>
+              <a:t>損失</a:t>
+            </a:r>
+            <a:r>
+              <a:rPr lang="zh-TW" altLang="en-US" sz="2000" dirty="0" smtClean="0"/>
+              <a:t>的</a:t>
+            </a:r>
+            <a:r>
+              <a:rPr lang="zh-TW" altLang="en-US" sz="2000" dirty="0"/>
+              <a:t>權重</a:t>
+            </a:r>
+            <a:r>
+              <a:rPr lang="zh-TW" altLang="en-US" sz="2000" dirty="0" smtClean="0"/>
+              <a:t>並</a:t>
+            </a:r>
+            <a:r>
+              <a:rPr lang="zh-TW" altLang="en-US" sz="2000" dirty="0"/>
+              <a:t>減小 </a:t>
+            </a:r>
+            <a:r>
+              <a:rPr lang="en-US" altLang="zh-TW" sz="2000" dirty="0"/>
+              <a:t>pix2pix </a:t>
+            </a:r>
+            <a:r>
+              <a:rPr lang="zh-TW" altLang="en-US" sz="2000" dirty="0"/>
+              <a:t>網絡的</a:t>
+            </a:r>
+            <a:r>
+              <a:rPr lang="zh-TW" altLang="en-US" sz="2000" dirty="0" smtClean="0"/>
+              <a:t>大小。</a:t>
+            </a:r>
+            <a:r>
+              <a:rPr lang="zh-TW" altLang="en-US" sz="2000" dirty="0"/>
+              <a:t>為了</a:t>
+            </a:r>
+            <a:r>
+              <a:rPr lang="zh-TW" altLang="en-US" sz="2000" dirty="0" smtClean="0"/>
+              <a:t>減少模糊產生，</a:t>
+            </a:r>
+            <a:r>
+              <a:rPr lang="zh-TW" altLang="en-US" sz="2000" dirty="0"/>
+              <a:t>我們設計了一個濾波器來獲取模糊圖像的輪廓信息，然後與增強的</a:t>
+            </a:r>
+            <a:r>
+              <a:rPr lang="en-US" altLang="zh-TW" sz="2000" dirty="0"/>
+              <a:t>pix2pix</a:t>
+            </a:r>
+            <a:r>
+              <a:rPr lang="zh-TW" altLang="en-US" sz="2000" dirty="0"/>
+              <a:t>網絡相結合。</a:t>
+            </a:r>
+          </a:p>
+          <a:p>
+            <a:pPr marL="0" indent="0">
+              <a:buNone/>
+            </a:pPr>
+            <a:r>
+              <a:rPr lang="zh-TW" altLang="en-US" sz="2000" dirty="0" smtClean="0"/>
+              <a:t>少</a:t>
+            </a:r>
+            <a:endParaRPr lang="zh-TW" altLang="en-US" sz="2000" dirty="0"/>
+          </a:p>
+        </p:txBody>
+      </p:sp>
+      <p:pic>
+        <p:nvPicPr>
+          <p:cNvPr id="4" name="圖片 3"/>
+          <p:cNvPicPr>
+            <a:picLocks noChangeAspect="1"/>
+          </p:cNvPicPr>
+          <p:nvPr/>
+        </p:nvPicPr>
+        <p:blipFill>
+          <a:blip r:embed="rId2">
+            <a:extLst>
+              <a:ext uri="{28A0092B-C50C-407E-A947-70E740481C1C}">
+                <a14:useLocalDpi xmlns:a14="http://schemas.microsoft.com/office/drawing/2010/main" val="0"/>
+              </a:ext>
+            </a:extLst>
+          </a:blip>
+          <a:stretch>
+            <a:fillRect/>
+          </a:stretch>
+        </p:blipFill>
+        <p:spPr>
+          <a:xfrm>
+            <a:off x="9271063" y="101917"/>
+            <a:ext cx="1952625" cy="1990725"/>
+          </a:xfrm>
+          <a:prstGeom prst="rect">
+            <a:avLst/>
+          </a:prstGeom>
+        </p:spPr>
+      </p:pic>
+    </p:spTree>
+    <p:extLst>
+      <p:ext uri="{BB962C8B-B14F-4D97-AF65-F5344CB8AC3E}">
+        <p14:creationId xmlns:p14="http://schemas.microsoft.com/office/powerpoint/2010/main" val="2234780733"/>
       </p:ext>
     </p:extLst>
   </p:cSld>
@@ -3473,9 +4169,10 @@
           <a:lstStyle/>
           <a:p>
             <a:r>
-              <a:rPr lang="zh-TW" altLang="en-US" dirty="0"/>
-              <a:t>文獻探討</a:t>
-            </a:r>
+              <a:rPr lang="zh-TW" altLang="en-US" dirty="0" smtClean="0"/>
+              <a:t>論文一</a:t>
+            </a:r>
+            <a:endParaRPr lang="zh-TW" altLang="en-US" dirty="0"/>
           </a:p>
         </p:txBody>
       </p:sp>
@@ -3746,31 +4443,20 @@
           </a:p>
           <a:p>
             <a:r>
-              <a:rPr lang="zh-TW" altLang="en-US" dirty="0" smtClean="0"/>
-              <a:t>期刊</a:t>
+              <a:rPr lang="zh-TW" altLang="en-US" dirty="0"/>
+              <a:t>出處</a:t>
             </a:r>
             <a:r>
               <a:rPr lang="en-US" altLang="zh-TW" dirty="0" smtClean="0"/>
               <a:t>:</a:t>
             </a:r>
             <a:r>
-              <a:rPr lang="en-US" altLang="zh-TW" dirty="0"/>
-              <a:t>BIM and Its Integration with Emerging </a:t>
-            </a:r>
-            <a:r>
-              <a:rPr lang="en-US" altLang="zh-TW" dirty="0" smtClean="0"/>
-              <a:t>Technologies</a:t>
-            </a:r>
-            <a:endParaRPr lang="en-US" altLang="zh-TW" dirty="0"/>
-          </a:p>
-          <a:p>
-            <a:r>
-              <a:rPr lang="zh-TW" altLang="en-US" dirty="0" smtClean="0"/>
-              <a:t>頁數</a:t>
-            </a:r>
-            <a:r>
-              <a:rPr lang="en-US" altLang="zh-TW" dirty="0" smtClean="0"/>
-              <a:t>:1-20.</a:t>
+              <a:rPr lang="zh-TW" altLang="en-US" dirty="0"/>
+              <a:t>延世大學室內建築與建築環境</a:t>
+            </a:r>
+            <a:r>
+              <a:rPr lang="zh-TW" altLang="en-US" dirty="0" smtClean="0"/>
+              <a:t>系</a:t>
             </a:r>
             <a:endParaRPr lang="en-US" altLang="zh-TW" dirty="0"/>
           </a:p>
@@ -5016,11 +5702,7 @@
             </a:r>
             <a:r>
               <a:rPr lang="en-US" altLang="zh-TW" dirty="0" smtClean="0"/>
-              <a:t>:</a:t>
-            </a:r>
-            <a:r>
-              <a:rPr lang="en-US" altLang="zh-TW" dirty="0" smtClean="0"/>
-              <a:t>Dense(256)</a:t>
+              <a:t>:Dense(256)</a:t>
             </a:r>
             <a:r>
               <a:rPr lang="zh-TW" altLang="en-US" dirty="0" smtClean="0"/>
